--- a/3. Spring 5.0/Day 22/Slides/4. Apache Kafka/2. Getting to Know Apache Kafka's Architecture/2-apache-kafka-getting-started-m2-slides.pptx
+++ b/3. Spring 5.0/Day 22/Slides/4. Apache Kafka/2. Getting to Know Apache Kafka's Architecture/2-apache-kafka-getting-started-m2-slides.pptx
@@ -16726,6 +16726,10 @@
           </p:nvPr>
         </p:nvSpPr>
         <p:spPr>
+          <a:xfrm>
+            <a:off x="1134746" y="2818490"/>
+            <a:ext cx="9922507" cy="2766060"/>
+          </a:xfrm>
           <a:prstGeom prst="rect">
             <a:avLst/>
           </a:prstGeom>
@@ -16848,11 +16852,7 @@
             </a:r>
             <a:r>
               <a:rPr spc="-35" dirty="0"/>
-              <a:t>e</a:t>
-            </a:r>
-            <a:r>
-              <a:rPr spc="-35" dirty="0"/>
-              <a:t>s</a:t>
+              <a:t>es</a:t>
             </a:r>
             <a:r>
               <a:rPr spc="-484" dirty="0"/>
@@ -16909,6 +16909,10 @@
             <a:r>
               <a:rPr spc="-125" dirty="0"/>
               <a:t> </a:t>
+            </a:r>
+            <a:r>
+              <a:rPr lang="en-US" spc="-125" dirty="0"/>
+              <a:t>Peers </a:t>
             </a:r>
             <a:r>
               <a:rPr dirty="0"/>
